--- a/training-cards/emotional erwachsen/Appreciation (APR)/ger/apprentice/ger_APR_01_Nicht_den_EE_A.pptx
+++ b/training-cards/emotional erwachsen/Appreciation (APR)/ger/apprentice/ger_APR_01_Nicht_den_EE_A.pptx
@@ -111,6 +111,22 @@
       </a:defRPr>
     </a:lvl9pPr>
   </p:defaultTextStyle>
+  <p:extLst>
+    <p:ext uri="{EFAFB233-063F-42B5-8137-9DF3F51BA10A}">
+      <p15:sldGuideLst xmlns:p15="http://schemas.microsoft.com/office/powerpoint/2012/main">
+        <p15:guide id="1" orient="horz" pos="872">
+          <p15:clr>
+            <a:srgbClr val="A4A3A4"/>
+          </p15:clr>
+        </p15:guide>
+        <p15:guide id="2" pos="718">
+          <p15:clr>
+            <a:srgbClr val="A4A3A4"/>
+          </p15:clr>
+        </p15:guide>
+      </p15:sldGuideLst>
+    </p:ext>
+  </p:extLst>
 </p:presentation>
 </file>
 
@@ -196,7 +212,7 @@
           <a:p>
             <a:fld id="{6E077CBB-2DF5-4D45-BDDD-22DB2684D07E}" type="datetimeFigureOut">
               <a:rPr lang="de-DE" smtClean="0"/>
-              <a:t>16.07.15</a:t>
+              <a:t>04.11.15</a:t>
             </a:fld>
             <a:endParaRPr lang="de-DE"/>
           </a:p>
@@ -361,7 +377,7 @@
           <a:p>
             <a:fld id="{66BB7629-EFFC-A349-AF1F-E914C833976E}" type="datetimeFigureOut">
               <a:rPr lang="de-DE" smtClean="0"/>
-              <a:t>16.07.15</a:t>
+              <a:t>04.11.15</a:t>
             </a:fld>
             <a:endParaRPr lang="de-DE"/>
           </a:p>
@@ -1332,6 +1348,162 @@
           </a:p>
         </p:txBody>
       </p:sp>
+      <p:sp>
+        <p:nvSpPr>
+          <p:cNvPr id="4" name="Textfeld 3"/>
+          <p:cNvSpPr txBox="1"/>
+          <p:nvPr userDrawn="1"/>
+        </p:nvSpPr>
+        <p:spPr>
+          <a:xfrm>
+            <a:off x="239285" y="4936890"/>
+            <a:ext cx="1044856" cy="276999"/>
+          </a:xfrm>
+          <a:prstGeom prst="rect">
+            <a:avLst/>
+          </a:prstGeom>
+          <a:noFill/>
+        </p:spPr>
+        <p:txBody>
+          <a:bodyPr wrap="square" rtlCol="0">
+            <a:spAutoFit/>
+          </a:bodyPr>
+          <a:lstStyle/>
+          <a:p>
+            <a:r>
+              <a:rPr lang="de-DE" sz="600" dirty="0">
+                <a:solidFill>
+                  <a:srgbClr val="5D5E5F"/>
+                </a:solidFill>
+                <a:latin typeface="Avenir Light"/>
+                <a:cs typeface="Avenir Light"/>
+              </a:rPr>
+              <a:t>Letzte Änderung: </a:t>
+            </a:r>
+            <a:fld id="{7A8C7DAC-E536-564C-B5B3-90E8FAB50562}" type="datetime1">
+              <a:rPr lang="de-DE" sz="600" smtClean="0">
+                <a:solidFill>
+                  <a:srgbClr val="5D5E5F"/>
+                </a:solidFill>
+                <a:latin typeface="Avenir Light"/>
+                <a:cs typeface="Avenir Light"/>
+              </a:rPr>
+              <a:t>04.11.15</a:t>
+            </a:fld>
+            <a:endParaRPr lang="de-DE" sz="600" dirty="0">
+              <a:solidFill>
+                <a:srgbClr val="5D5E5F"/>
+              </a:solidFill>
+              <a:latin typeface="Avenir Light"/>
+              <a:cs typeface="Avenir Light"/>
+            </a:endParaRPr>
+          </a:p>
+        </p:txBody>
+      </p:sp>
+      <p:sp>
+        <p:nvSpPr>
+          <p:cNvPr id="5" name="Shape 7"/>
+          <p:cNvSpPr/>
+          <p:nvPr userDrawn="1"/>
+        </p:nvSpPr>
+        <p:spPr>
+          <a:xfrm>
+            <a:off x="1619767" y="4952581"/>
+            <a:ext cx="4164935" cy="276995"/>
+          </a:xfrm>
+          <a:prstGeom prst="rect">
+            <a:avLst/>
+          </a:prstGeom>
+          <a:ln w="12700">
+            <a:miter lim="400000"/>
+          </a:ln>
+          <a:extLst>
+            <a:ext uri="{C572A759-6A51-4108-AA02-DFA0A04FC94B}">
+              <ma14:wrappingTextBoxFlag xmlns:ma14="http://schemas.microsoft.com/office/mac/drawingml/2011/main" val="1"/>
+            </a:ext>
+          </a:extLst>
+        </p:spPr>
+        <p:txBody>
+          <a:bodyPr wrap="none" lIns="45718" tIns="45718" rIns="45718" bIns="45718">
+            <a:spAutoFit/>
+          </a:bodyPr>
+          <a:lstStyle/>
+          <a:p>
+            <a:pPr lvl="0" algn="ctr">
+              <a:defRPr sz="1800"/>
+            </a:pPr>
+            <a:r>
+              <a:rPr sz="600" dirty="0">
+                <a:latin typeface="Avenir Light"/>
+                <a:ea typeface="Calibri"/>
+                <a:cs typeface="Avenir Light"/>
+                <a:sym typeface="Calibri"/>
+              </a:rPr>
+              <a:t>This work is licensed under the Creative Commons Attribution-NonCommercial-NoDerivatives 4.0 International License. </a:t>
+            </a:r>
+          </a:p>
+          <a:p>
+            <a:pPr lvl="0" algn="ctr">
+              <a:defRPr sz="1800"/>
+            </a:pPr>
+            <a:r>
+              <a:rPr sz="600" dirty="0">
+                <a:latin typeface="Avenir Light"/>
+                <a:ea typeface="Calibri"/>
+                <a:cs typeface="Avenir Light"/>
+                <a:sym typeface="Calibri"/>
+              </a:rPr>
+              <a:t>To view a copy of this license, visit </a:t>
+            </a:r>
+            <a:r>
+              <a:rPr sz="600" dirty="0">
+                <a:latin typeface="Avenir Light"/>
+                <a:ea typeface="Calibri"/>
+                <a:cs typeface="Avenir Light"/>
+                <a:sym typeface="Calibri"/>
+                <a:hlinkClick r:id="rId2"/>
+              </a:rPr>
+              <a:t>http://creativecommons.org/licenses/by-nc-nd/4.0/</a:t>
+            </a:r>
+            <a:r>
+              <a:rPr sz="600" dirty="0">
+                <a:latin typeface="Avenir Light"/>
+                <a:ea typeface="Calibri"/>
+                <a:cs typeface="Avenir Light"/>
+                <a:sym typeface="Calibri"/>
+              </a:rPr>
+              <a:t>.</a:t>
+            </a:r>
+          </a:p>
+        </p:txBody>
+      </p:sp>
+      <p:pic>
+        <p:nvPicPr>
+          <p:cNvPr id="6" name="pasted-image.tif"/>
+          <p:cNvPicPr/>
+          <p:nvPr userDrawn="1"/>
+        </p:nvPicPr>
+        <p:blipFill>
+          <a:blip r:embed="rId3">
+            <a:extLst/>
+          </a:blip>
+          <a:stretch>
+            <a:fillRect/>
+          </a:stretch>
+        </p:blipFill>
+        <p:spPr>
+          <a:xfrm>
+            <a:off x="6174185" y="4992838"/>
+            <a:ext cx="886619" cy="214128"/>
+          </a:xfrm>
+          <a:prstGeom prst="rect">
+            <a:avLst/>
+          </a:prstGeom>
+          <a:ln w="12700">
+            <a:miter lim="400000"/>
+          </a:ln>
+        </p:spPr>
+      </p:pic>
     </p:spTree>
     <p:extLst>
       <p:ext uri="{BB962C8B-B14F-4D97-AF65-F5344CB8AC3E}">
@@ -1406,7 +1578,7 @@
           <a:p>
             <a:fld id="{FF5B2BAF-DF38-0A48-A798-0C06E514FD52}" type="datetimeFigureOut">
               <a:rPr lang="de-DE" smtClean="0"/>
-              <a:t>16.07.15</a:t>
+              <a:t>04.11.15</a:t>
             </a:fld>
             <a:endParaRPr lang="de-DE" dirty="0"/>
           </a:p>
@@ -1696,7 +1868,7 @@
           <a:p>
             <a:fld id="{FF5B2BAF-DF38-0A48-A798-0C06E514FD52}" type="datetimeFigureOut">
               <a:rPr lang="de-DE" smtClean="0"/>
-              <a:t>16.07.15</a:t>
+              <a:t>04.11.15</a:t>
             </a:fld>
             <a:endParaRPr lang="de-DE" dirty="0"/>
           </a:p>
@@ -1930,17 +2102,7 @@
                 <a:latin typeface="Avenir Heavy"/>
                 <a:cs typeface="Avenir Heavy"/>
               </a:rPr>
-              <a:t>APR </a:t>
-            </a:r>
-            <a:r>
-              <a:rPr lang="de-DE" sz="1050" b="1" dirty="0" smtClean="0">
-                <a:solidFill>
-                  <a:schemeClr val="bg1"/>
-                </a:solidFill>
-                <a:latin typeface="Avenir Heavy"/>
-                <a:cs typeface="Avenir Heavy"/>
-              </a:rPr>
-              <a:t>01</a:t>
+              <a:t>APR 01</a:t>
             </a:r>
             <a:endParaRPr lang="de-DE" sz="1050" b="1" dirty="0">
               <a:solidFill>
@@ -2601,8 +2763,12 @@
               <a:buNone/>
             </a:pPr>
             <a:r>
-              <a:rPr lang="de-DE" cap="all" smtClean="0"/>
-              <a:t>Silke Kainzbauer</a:t>
+              <a:rPr lang="de-DE" cap="all" dirty="0" smtClean="0"/>
+              <a:t>Silke </a:t>
+            </a:r>
+            <a:r>
+              <a:rPr lang="de-DE" cap="all" dirty="0" err="1" smtClean="0"/>
+              <a:t>Kainzbauer</a:t>
             </a:r>
             <a:endParaRPr lang="de-DE" cap="all" dirty="0"/>
           </a:p>
@@ -2660,7 +2826,7 @@
         </p:blipFill>
         <p:spPr>
           <a:xfrm>
-            <a:off x="6538846" y="4187204"/>
+            <a:off x="6168457" y="3897837"/>
             <a:ext cx="901700" cy="901700"/>
           </a:xfrm>
           <a:prstGeom prst="rect">
@@ -2681,7 +2847,7 @@
         <p:spPr>
           <a:xfrm>
             <a:off x="858838" y="1555750"/>
-            <a:ext cx="6366500" cy="3570786"/>
+            <a:ext cx="6366500" cy="3059462"/>
           </a:xfrm>
         </p:spPr>
         <p:txBody>
@@ -2690,13 +2856,17 @@
           </a:bodyPr>
           <a:lstStyle/>
           <a:p>
+            <a:pPr>
+              <a:lnSpc>
+                <a:spcPts val="1400"/>
+              </a:lnSpc>
+              <a:spcBef>
+                <a:spcPts val="800"/>
+              </a:spcBef>
+            </a:pPr>
             <a:r>
               <a:rPr lang="de-DE" sz="1050" dirty="0" smtClean="0"/>
-              <a:t>Versuche</a:t>
-            </a:r>
-            <a:r>
-              <a:rPr lang="de-DE" sz="1050" dirty="0" smtClean="0"/>
-              <a:t>, diese Momente wahrzunehmen, wenn Dich jemand ärgert oder aufregt oder </a:t>
+              <a:t>Versuche, diese Momente wahrzunehmen, wenn Dich jemand ärgert oder aufregt oder </a:t>
             </a:r>
             <a:br>
               <a:rPr lang="de-DE" sz="1050" dirty="0" smtClean="0"/>
@@ -2707,6 +2877,14 @@
             </a:r>
           </a:p>
           <a:p>
+            <a:pPr>
+              <a:lnSpc>
+                <a:spcPts val="1400"/>
+              </a:lnSpc>
+              <a:spcBef>
+                <a:spcPts val="800"/>
+              </a:spcBef>
+            </a:pPr>
             <a:r>
               <a:rPr lang="de-DE" sz="1050" dirty="0" smtClean="0"/>
               <a:t>Stelle Dir folgende Frage: Gibt es ein kleines Detail, das ich an diesem Menschen gut finde? </a:t>
@@ -2728,6 +2906,14 @@
             <a:endParaRPr lang="de-DE" sz="1050" dirty="0"/>
           </a:p>
           <a:p>
+            <a:pPr>
+              <a:lnSpc>
+                <a:spcPts val="1400"/>
+              </a:lnSpc>
+              <a:spcBef>
+                <a:spcPts val="800"/>
+              </a:spcBef>
+            </a:pPr>
             <a:r>
               <a:rPr lang="de-DE" sz="1050" dirty="0"/>
               <a:t>Schreibe in zwei Wochen acht </a:t>
@@ -2754,24 +2940,24 @@
             </a:r>
           </a:p>
           <a:p>
+            <a:pPr>
+              <a:lnSpc>
+                <a:spcPts val="1400"/>
+              </a:lnSpc>
+              <a:spcBef>
+                <a:spcPts val="800"/>
+              </a:spcBef>
+            </a:pPr>
             <a:r>
               <a:rPr lang="de-DE" sz="1050" dirty="0" smtClean="0"/>
               <a:t>Solltest Du in der Situation emotional zu aufgeladen sein, hilft Dir ein kleiner Trick, </a:t>
-            </a:r>
-            <a:r>
-              <a:rPr lang="de-DE" sz="1050" dirty="0" smtClean="0"/>
-              <a:t/>
             </a:r>
             <a:br>
               <a:rPr lang="de-DE" sz="1050" dirty="0" smtClean="0"/>
             </a:br>
             <a:r>
               <a:rPr lang="de-DE" sz="1050" dirty="0" smtClean="0"/>
-              <a:t>um </a:t>
-            </a:r>
-            <a:r>
-              <a:rPr lang="de-DE" sz="1050" dirty="0" smtClean="0"/>
-              <a:t>Abstand zu gewinnen:</a:t>
+              <a:t>um Abstand zu gewinnen:</a:t>
             </a:r>
             <a:br>
               <a:rPr lang="de-DE" sz="1050" dirty="0" smtClean="0"/>
@@ -2786,11 +2972,7 @@
             </a:r>
             <a:r>
               <a:rPr lang="de-DE" sz="1050" dirty="0" smtClean="0"/>
-              <a:t>erhalten auslöst und er nicht anders agieren kann. Das hilft Dir, sein Verhalten nicht auf Dich zu beziehen und emotional auszusteigen</a:t>
-            </a:r>
-            <a:r>
-              <a:rPr lang="de-DE" sz="1050" dirty="0" smtClean="0"/>
-              <a:t>.</a:t>
+              <a:t>erhalten auslöst und er nicht anders agieren kann. Das hilft Dir, sein Verhalten nicht auf Dich zu beziehen und emotional auszusteigen.</a:t>
             </a:r>
             <a:r>
               <a:rPr lang="de-DE" sz="1050" baseline="30000" dirty="0" smtClean="0"/>
@@ -2798,28 +2980,24 @@
             </a:r>
           </a:p>
           <a:p>
+            <a:pPr>
+              <a:lnSpc>
+                <a:spcPts val="1400"/>
+              </a:lnSpc>
+              <a:spcBef>
+                <a:spcPts val="800"/>
+              </a:spcBef>
+            </a:pPr>
             <a:r>
               <a:rPr lang="de-DE" sz="1050" dirty="0" smtClean="0"/>
-              <a:t>Mit </a:t>
-            </a:r>
-            <a:r>
-              <a:rPr lang="de-DE" sz="1050" dirty="0" smtClean="0"/>
-              <a:t>diesem Trick kannst Du auch wahrnehmen, wie sehr Deine Gefühle von </a:t>
-            </a:r>
-            <a:r>
-              <a:rPr lang="de-DE" sz="1050" dirty="0" smtClean="0"/>
-              <a:t/>
+              <a:t>Mit diesem Trick kannst Du auch wahrnehmen, wie sehr Deine Gefühle von </a:t>
             </a:r>
             <a:br>
               <a:rPr lang="de-DE" sz="1050" dirty="0" smtClean="0"/>
             </a:br>
             <a:r>
               <a:rPr lang="de-DE" sz="1050" dirty="0" smtClean="0"/>
-              <a:t>Dir </a:t>
-            </a:r>
-            <a:r>
-              <a:rPr lang="de-DE" sz="1050" dirty="0" smtClean="0"/>
-              <a:t>und Deiner ganz persönlichen Interpretation der Welt abhängen</a:t>
+              <a:t>Dir und Deiner ganz persönlichen Interpretation der Welt abhängen</a:t>
             </a:r>
             <a:r>
               <a:rPr lang="de-DE" dirty="0" smtClean="0"/>
@@ -2837,7 +3015,7 @@
         </p:nvSpPr>
         <p:spPr>
           <a:xfrm>
-            <a:off x="4170556" y="5089778"/>
+            <a:off x="3325608" y="4615212"/>
             <a:ext cx="2852229" cy="215444"/>
           </a:xfrm>
           <a:prstGeom prst="rect">
@@ -2875,20 +3053,7 @@
                 <a:latin typeface="Avenir Light"/>
                 <a:cs typeface="Avenir Light"/>
               </a:rPr>
-              <a:t>Quelle</a:t>
-            </a:r>
-            <a:r>
-              <a:rPr lang="de-DE" sz="800" dirty="0" smtClean="0">
-                <a:solidFill>
-                  <a:schemeClr val="tx1">
-                    <a:lumMod val="50000"/>
-                    <a:lumOff val="50000"/>
-                  </a:schemeClr>
-                </a:solidFill>
-                <a:latin typeface="Avenir Light"/>
-                <a:cs typeface="Avenir Light"/>
-              </a:rPr>
-              <a:t>: Maurer, R.(2012): </a:t>
+              <a:t>Quelle: Maurer, R.(2012): </a:t>
             </a:r>
             <a:r>
               <a:rPr lang="de-DE" sz="800" b="1" dirty="0" smtClean="0">
